--- a/專案進度報告_陳冠華_20241122.pptx
+++ b/專案進度報告_陳冠華_20241122.pptx
@@ -5,10 +5,10 @@
     <p:sldMasterId id="2147483648" r:id="rId1"/>
   </p:sldMasterIdLst>
   <p:notesMasterIdLst>
-    <p:notesMasterId r:id="rId21"/>
+    <p:notesMasterId r:id="rId22"/>
   </p:notesMasterIdLst>
   <p:handoutMasterIdLst>
-    <p:handoutMasterId r:id="rId22"/>
+    <p:handoutMasterId r:id="rId23"/>
   </p:handoutMasterIdLst>
   <p:sldIdLst>
     <p:sldId id="259" r:id="rId2"/>
@@ -30,6 +30,7 @@
     <p:sldId id="1258" r:id="rId18"/>
     <p:sldId id="302" r:id="rId19"/>
     <p:sldId id="271" r:id="rId20"/>
+    <p:sldId id="1264" r:id="rId21"/>
   </p:sldIdLst>
   <p:sldSz cx="12192000" cy="6858000"/>
   <p:notesSz cx="6858000" cy="9144000"/>
@@ -188,6 +189,7 @@
         <p14:section name="參考資料" id="{45BCF316-EF51-4D48-B1BE-363829FB5D01}">
           <p14:sldIdLst>
             <p14:sldId id="271"/>
+            <p14:sldId id="1264"/>
           </p14:sldIdLst>
         </p14:section>
       </p14:sectionLst>
@@ -288,7 +290,7 @@
               <a:rPr lang="zh-TW" altLang="en-US" smtClean="0">
                 <a:ea typeface="標楷體" panose="03000509000000000000" pitchFamily="65" charset="-120"/>
               </a:rPr>
-              <a:t>2024/11/26</a:t>
+              <a:t>2024/12/13</a:t>
             </a:fld>
             <a:endParaRPr lang="zh-TW" altLang="en-US" dirty="0">
               <a:ea typeface="標楷體" panose="03000509000000000000" pitchFamily="65" charset="-120"/>
@@ -466,7 +468,7 @@
             <a:fld id="{2CB905C5-9D54-40E2-B40C-7996280CAB02}" type="datetimeFigureOut">
               <a:rPr lang="zh-TW" altLang="en-US" smtClean="0"/>
               <a:pPr/>
-              <a:t>2024/11/26</a:t>
+              <a:t>2024/12/13</a:t>
             </a:fld>
             <a:endParaRPr lang="zh-TW" altLang="en-US" dirty="0"/>
           </a:p>
@@ -1508,7 +1510,7 @@
           <a:p>
             <a:fld id="{0C0CC965-A63A-473D-BEFB-C8F9714D5269}" type="datetimeFigureOut">
               <a:rPr lang="zh-TW" altLang="en-US" smtClean="0"/>
-              <a:t>2024/11/26</a:t>
+              <a:t>2024/12/13</a:t>
             </a:fld>
             <a:endParaRPr lang="zh-TW" altLang="en-US"/>
           </a:p>
@@ -1676,7 +1678,7 @@
           <a:p>
             <a:fld id="{0C0CC965-A63A-473D-BEFB-C8F9714D5269}" type="datetimeFigureOut">
               <a:rPr lang="zh-TW" altLang="en-US" smtClean="0"/>
-              <a:t>2024/11/26</a:t>
+              <a:t>2024/12/13</a:t>
             </a:fld>
             <a:endParaRPr lang="zh-TW" altLang="en-US"/>
           </a:p>
@@ -1854,7 +1856,7 @@
           <a:p>
             <a:fld id="{0C0CC965-A63A-473D-BEFB-C8F9714D5269}" type="datetimeFigureOut">
               <a:rPr lang="zh-TW" altLang="en-US" smtClean="0"/>
-              <a:t>2024/11/26</a:t>
+              <a:t>2024/12/13</a:t>
             </a:fld>
             <a:endParaRPr lang="zh-TW" altLang="en-US"/>
           </a:p>
@@ -2076,7 +2078,7 @@
           <a:p>
             <a:fld id="{0C0CC965-A63A-473D-BEFB-C8F9714D5269}" type="datetimeFigureOut">
               <a:rPr lang="zh-TW" altLang="en-US" smtClean="0"/>
-              <a:t>2024/11/26</a:t>
+              <a:t>2024/12/13</a:t>
             </a:fld>
             <a:endParaRPr lang="zh-TW" altLang="en-US"/>
           </a:p>
@@ -2271,7 +2273,7 @@
           <a:p>
             <a:fld id="{0C0CC965-A63A-473D-BEFB-C8F9714D5269}" type="datetimeFigureOut">
               <a:rPr lang="zh-TW" altLang="en-US" smtClean="0"/>
-              <a:t>2024/11/26</a:t>
+              <a:t>2024/12/13</a:t>
             </a:fld>
             <a:endParaRPr lang="zh-TW" altLang="en-US"/>
           </a:p>
@@ -2516,7 +2518,7 @@
           <a:p>
             <a:fld id="{0C0CC965-A63A-473D-BEFB-C8F9714D5269}" type="datetimeFigureOut">
               <a:rPr lang="zh-TW" altLang="en-US" smtClean="0"/>
-              <a:t>2024/11/26</a:t>
+              <a:t>2024/12/13</a:t>
             </a:fld>
             <a:endParaRPr lang="zh-TW" altLang="en-US"/>
           </a:p>
@@ -2745,7 +2747,7 @@
           <a:p>
             <a:fld id="{0C0CC965-A63A-473D-BEFB-C8F9714D5269}" type="datetimeFigureOut">
               <a:rPr lang="zh-TW" altLang="en-US" smtClean="0"/>
-              <a:t>2024/11/26</a:t>
+              <a:t>2024/12/13</a:t>
             </a:fld>
             <a:endParaRPr lang="zh-TW" altLang="en-US"/>
           </a:p>
@@ -3109,7 +3111,7 @@
           <a:p>
             <a:fld id="{0C0CC965-A63A-473D-BEFB-C8F9714D5269}" type="datetimeFigureOut">
               <a:rPr lang="zh-TW" altLang="en-US" smtClean="0"/>
-              <a:t>2024/11/26</a:t>
+              <a:t>2024/12/13</a:t>
             </a:fld>
             <a:endParaRPr lang="zh-TW" altLang="en-US"/>
           </a:p>
@@ -3226,7 +3228,7 @@
           <a:p>
             <a:fld id="{0C0CC965-A63A-473D-BEFB-C8F9714D5269}" type="datetimeFigureOut">
               <a:rPr lang="zh-TW" altLang="en-US" smtClean="0"/>
-              <a:t>2024/11/26</a:t>
+              <a:t>2024/12/13</a:t>
             </a:fld>
             <a:endParaRPr lang="zh-TW" altLang="en-US"/>
           </a:p>
@@ -3321,7 +3323,7 @@
           <a:p>
             <a:fld id="{0C0CC965-A63A-473D-BEFB-C8F9714D5269}" type="datetimeFigureOut">
               <a:rPr lang="zh-TW" altLang="en-US" smtClean="0"/>
-              <a:t>2024/11/26</a:t>
+              <a:t>2024/12/13</a:t>
             </a:fld>
             <a:endParaRPr lang="zh-TW" altLang="en-US"/>
           </a:p>
@@ -3596,7 +3598,7 @@
           <a:p>
             <a:fld id="{0C0CC965-A63A-473D-BEFB-C8F9714D5269}" type="datetimeFigureOut">
               <a:rPr lang="zh-TW" altLang="en-US" smtClean="0"/>
-              <a:t>2024/11/26</a:t>
+              <a:t>2024/12/13</a:t>
             </a:fld>
             <a:endParaRPr lang="zh-TW" altLang="en-US"/>
           </a:p>
@@ -3848,7 +3850,7 @@
           <a:p>
             <a:fld id="{0C0CC965-A63A-473D-BEFB-C8F9714D5269}" type="datetimeFigureOut">
               <a:rPr lang="zh-TW" altLang="en-US" smtClean="0"/>
-              <a:t>2024/11/26</a:t>
+              <a:t>2024/12/13</a:t>
             </a:fld>
             <a:endParaRPr lang="zh-TW" altLang="en-US"/>
           </a:p>
@@ -4062,7 +4064,7 @@
             <a:fld id="{0C0CC965-A63A-473D-BEFB-C8F9714D5269}" type="datetimeFigureOut">
               <a:rPr lang="zh-TW" altLang="en-US" smtClean="0"/>
               <a:pPr/>
-              <a:t>2024/11/26</a:t>
+              <a:t>2024/12/13</a:t>
             </a:fld>
             <a:endParaRPr lang="zh-TW" altLang="en-US"/>
           </a:p>
@@ -8526,6 +8528,121 @@
     <p:extLst>
       <p:ext uri="{BB962C8B-B14F-4D97-AF65-F5344CB8AC3E}">
         <p14:creationId xmlns:p14="http://schemas.microsoft.com/office/powerpoint/2010/main" val="1466746081"/>
+      </p:ext>
+    </p:extLst>
+  </p:cSld>
+  <p:clrMapOvr>
+    <a:masterClrMapping/>
+  </p:clrMapOvr>
+</p:sld>
+</file>
+
+<file path=ppt/slides/slide20.xml><?xml version="1.0" encoding="utf-8"?>
+<p:sld xmlns:a="http://schemas.openxmlformats.org/drawingml/2006/main" xmlns:r="http://schemas.openxmlformats.org/officeDocument/2006/relationships" xmlns:p="http://schemas.openxmlformats.org/presentationml/2006/main">
+  <p:cSld>
+    <p:spTree>
+      <p:nvGrpSpPr>
+        <p:cNvPr id="1" name="">
+          <a:extLst>
+            <a:ext uri="{FF2B5EF4-FFF2-40B4-BE49-F238E27FC236}">
+              <a16:creationId xmlns:a16="http://schemas.microsoft.com/office/drawing/2014/main" id="{4A27BC0D-8F3D-C214-CFB3-ED044D0F47E7}"/>
+            </a:ext>
+          </a:extLst>
+        </p:cNvPr>
+        <p:cNvGrpSpPr/>
+        <p:nvPr/>
+      </p:nvGrpSpPr>
+      <p:grpSpPr>
+        <a:xfrm>
+          <a:off x="0" y="0"/>
+          <a:ext cx="0" cy="0"/>
+          <a:chOff x="0" y="0"/>
+          <a:chExt cx="0" cy="0"/>
+        </a:xfrm>
+      </p:grpSpPr>
+      <p:sp>
+        <p:nvSpPr>
+          <p:cNvPr id="4" name="標題 3">
+            <a:extLst>
+              <a:ext uri="{FF2B5EF4-FFF2-40B4-BE49-F238E27FC236}">
+                <a16:creationId xmlns:a16="http://schemas.microsoft.com/office/drawing/2014/main" id="{97921FF5-1781-5F52-C97B-64F67B3FD7E9}"/>
+              </a:ext>
+            </a:extLst>
+          </p:cNvPr>
+          <p:cNvSpPr>
+            <a:spLocks noGrp="1"/>
+          </p:cNvSpPr>
+          <p:nvPr>
+            <p:ph type="title"/>
+          </p:nvPr>
+        </p:nvSpPr>
+        <p:spPr/>
+        <p:txBody>
+          <a:bodyPr/>
+          <a:lstStyle/>
+          <a:p>
+            <a:r>
+              <a:rPr lang="zh-TW" altLang="en-US" dirty="0"/>
+              <a:t>系統分析 </a:t>
+            </a:r>
+            <a:r>
+              <a:rPr lang="en-US" altLang="zh-TW" dirty="0"/>
+              <a:t>–</a:t>
+            </a:r>
+            <a:r>
+              <a:rPr lang="zh-TW" altLang="en-US" dirty="0"/>
+              <a:t> 時序圖 </a:t>
+            </a:r>
+            <a:r>
+              <a:rPr lang="en-US" altLang="zh-TW" dirty="0"/>
+              <a:t>(</a:t>
+            </a:r>
+            <a:r>
+              <a:rPr lang="en-US" altLang="zh-TW" sz="4400" dirty="0"/>
+              <a:t>2024/12/06</a:t>
+            </a:r>
+            <a:r>
+              <a:rPr lang="en-US" altLang="zh-TW" dirty="0"/>
+              <a:t>)</a:t>
+            </a:r>
+            <a:endParaRPr lang="zh-TW" altLang="en-US" dirty="0"/>
+          </a:p>
+        </p:txBody>
+      </p:sp>
+      <p:pic>
+        <p:nvPicPr>
+          <p:cNvPr id="9" name="圖片 8">
+            <a:extLst>
+              <a:ext uri="{FF2B5EF4-FFF2-40B4-BE49-F238E27FC236}">
+                <a16:creationId xmlns:a16="http://schemas.microsoft.com/office/drawing/2014/main" id="{394109AC-6F78-4B58-357D-1D88CC8D5F18}"/>
+              </a:ext>
+            </a:extLst>
+          </p:cNvPr>
+          <p:cNvPicPr>
+            <a:picLocks noChangeAspect="1"/>
+          </p:cNvPicPr>
+          <p:nvPr/>
+        </p:nvPicPr>
+        <p:blipFill>
+          <a:blip r:embed="rId2"/>
+          <a:stretch>
+            <a:fillRect/>
+          </a:stretch>
+        </p:blipFill>
+        <p:spPr>
+          <a:xfrm>
+            <a:off x="0" y="2491810"/>
+            <a:ext cx="12192000" cy="2890680"/>
+          </a:xfrm>
+          <a:prstGeom prst="rect">
+            <a:avLst/>
+          </a:prstGeom>
+        </p:spPr>
+      </p:pic>
+    </p:spTree>
+    <p:extLst>
+      <p:ext uri="{BB962C8B-B14F-4D97-AF65-F5344CB8AC3E}">
+        <p14:creationId xmlns:p14="http://schemas.microsoft.com/office/powerpoint/2010/main" val="2911842611"/>
       </p:ext>
     </p:extLst>
   </p:cSld>
